--- a/lab_5/p2/single_cycle_datapath_Task2.pptx
+++ b/lab_5/p2/single_cycle_datapath_Task2.pptx
@@ -17580,7 +17580,7 @@
         </p:nvSpPr>
         <p:spPr>
           <a:xfrm>
-            <a:off x="228600" y="762000"/>
+            <a:off x="228600" y="990600"/>
             <a:ext cx="8763000" cy="4876800"/>
           </a:xfrm>
         </p:spPr>
@@ -17589,7 +17589,11 @@
           <a:lstStyle/>
           <a:p>
             <a:r>
-              <a:rPr lang="en-US" b="0" dirty="0"/>
+              <a:rPr lang="en-US" b="0" dirty="0">
+                <a:highlight>
+                  <a:srgbClr val="00FF00"/>
+                </a:highlight>
+              </a:rPr>
               <a:t>Using the tables generated based on the pre-lab exercises (slides 4 and 7), </a:t>
             </a:r>
             <a:r>
@@ -17597,11 +17601,18 @@
                 <a:solidFill>
                   <a:srgbClr val="FF0000"/>
                 </a:solidFill>
+                <a:highlight>
+                  <a:srgbClr val="00FF00"/>
+                </a:highlight>
               </a:rPr>
               <a:t>revise your controller</a:t>
             </a:r>
             <a:r>
-              <a:rPr lang="en-US" b="0" dirty="0"/>
+              <a:rPr lang="en-US" b="0" dirty="0">
+                <a:highlight>
+                  <a:srgbClr val="00FF00"/>
+                </a:highlight>
+              </a:rPr>
               <a:t> from Task-1 to incorporate the control for memory and branch type of operations.  </a:t>
             </a:r>
           </a:p>
@@ -17719,20 +17730,32 @@
           <a:lstStyle/>
           <a:p>
             <a:r>
-              <a:rPr lang="en-US" sz="1600" b="0" dirty="0"/>
+              <a:rPr lang="en-US" sz="1600" b="0" dirty="0">
+                <a:highlight>
+                  <a:srgbClr val="00FF00"/>
+                </a:highlight>
+              </a:rPr>
               <a:t>The contents of “lw_sw_bne_inst_memory.txt” should be copied into your initialization block in the instruction memory. </a:t>
             </a:r>
           </a:p>
           <a:p>
             <a:r>
-              <a:rPr lang="en-US" sz="1600" b="0" dirty="0"/>
+              <a:rPr lang="en-US" sz="1600" b="0" dirty="0">
+                <a:highlight>
+                  <a:srgbClr val="00FF00"/>
+                </a:highlight>
+              </a:rPr>
               <a:t>The contents of “lw_sw_bne_data_memory.txt” should be copied into your initialization block in the data memory.  </a:t>
             </a:r>
           </a:p>
           <a:p>
             <a:pPr lvl="1"/>
             <a:r>
-              <a:rPr lang="en-US" sz="1600" b="0" dirty="0"/>
+              <a:rPr lang="en-US" sz="1600" b="0" dirty="0">
+                <a:highlight>
+                  <a:srgbClr val="00FF00"/>
+                </a:highlight>
+              </a:rPr>
               <a:t>You should initialize the data memory elements to 0.  The file given here is just a sample. </a:t>
             </a:r>
           </a:p>
